--- a/Documents/Document_reunion/Presentation/A4_0_Présentation.pptx
+++ b/Documents/Document_reunion/Presentation/A4_0_Présentation.pptx
@@ -7,9 +7,9 @@
   <p:sldIdLst>
     <p:sldId id="266" r:id="rId2"/>
     <p:sldId id="257" r:id="rId3"/>
-    <p:sldId id="275" r:id="rId4"/>
-    <p:sldId id="274" r:id="rId5"/>
-    <p:sldId id="283" r:id="rId6"/>
+    <p:sldId id="283" r:id="rId4"/>
+    <p:sldId id="275" r:id="rId5"/>
+    <p:sldId id="274" r:id="rId6"/>
     <p:sldId id="279" r:id="rId7"/>
     <p:sldId id="281" r:id="rId8"/>
     <p:sldId id="282" r:id="rId9"/>
@@ -4227,7 +4227,7 @@
         </p:nvSpPr>
         <p:spPr>
           <a:xfrm>
-            <a:off x="767408" y="2348880"/>
+            <a:off x="767408" y="2204864"/>
             <a:ext cx="3031851" cy="1722418"/>
           </a:xfrm>
         </p:spPr>
@@ -4242,7 +4242,7 @@
                 <a:solidFill>
                   <a:schemeClr val="bg1"/>
                 </a:solidFill>
-                <a:hlinkClick r:id="rId2">
+                <a:hlinkClick r:id="rId2" action="ppaction://hlinkfile">
                   <a:extLst>
                     <a:ext uri="{A12FA001-AC4F-418D-AE19-62706E023703}">
                       <ahyp:hlinkClr xmlns:ahyp="http://schemas.microsoft.com/office/drawing/2018/hyperlinkcolor" val="tx"/>
@@ -4250,14 +4250,14 @@
                   </a:extLst>
                 </a:hlinkClick>
               </a:rPr>
-              <a:t>Base de données </a:t>
+              <a:t>Application </a:t>
             </a:r>
             <a:r>
               <a:rPr lang="fr-FR" dirty="0" err="1">
                 <a:solidFill>
                   <a:schemeClr val="bg1"/>
                 </a:solidFill>
-                <a:hlinkClick r:id="rId2">
+                <a:hlinkClick r:id="rId2" action="ppaction://hlinkfile">
                   <a:extLst>
                     <a:ext uri="{A12FA001-AC4F-418D-AE19-62706E023703}">
                       <ahyp:hlinkClr xmlns:ahyp="http://schemas.microsoft.com/office/drawing/2018/hyperlinkcolor" val="tx"/>
@@ -4265,7 +4265,22 @@
                   </a:extLst>
                 </a:hlinkClick>
               </a:rPr>
-              <a:t>wavMap</a:t>
+              <a:t>WavCom</a:t>
+            </a:r>
+            <a:r>
+              <a:rPr lang="fr-FR" dirty="0">
+                <a:solidFill>
+                  <a:schemeClr val="bg1"/>
+                </a:solidFill>
+                <a:hlinkClick r:id="rId2" action="ppaction://hlinkfile">
+                  <a:extLst>
+                    <a:ext uri="{A12FA001-AC4F-418D-AE19-62706E023703}">
+                      <ahyp:hlinkClr xmlns:ahyp="http://schemas.microsoft.com/office/drawing/2018/hyperlinkcolor" val="tx"/>
+                    </a:ext>
+                  </a:extLst>
+                </a:hlinkClick>
+              </a:rPr>
+              <a:t> Visual Studio</a:t>
             </a:r>
             <a:endParaRPr lang="fr-FR" dirty="0">
               <a:solidFill>
@@ -4277,10 +4292,10 @@
       </p:sp>
       <p:pic>
         <p:nvPicPr>
-          <p:cNvPr id="3" name="Image 2" descr="Une image contenant texte, ordinateur&#10;&#10;Description générée automatiquement">
+          <p:cNvPr id="5" name="Image 4">
             <a:extLst>
               <a:ext uri="{FF2B5EF4-FFF2-40B4-BE49-F238E27FC236}">
-                <a16:creationId xmlns:a16="http://schemas.microsoft.com/office/drawing/2014/main" id="{8C9C20D8-8AF3-48F4-A31C-AFA7F39367E6}"/>
+                <a16:creationId xmlns:a16="http://schemas.microsoft.com/office/drawing/2014/main" id="{F1CCB38F-7D0E-4F76-99E6-4A5532E634FD}"/>
               </a:ext>
             </a:extLst>
           </p:cNvPr>
@@ -4289,15 +4304,16 @@
           </p:cNvPicPr>
           <p:nvPr/>
         </p:nvPicPr>
-        <p:blipFill rotWithShape="1">
+        <p:blipFill>
           <a:blip r:embed="rId3"/>
-          <a:srcRect b="15441"/>
-          <a:stretch/>
+          <a:stretch>
+            <a:fillRect/>
+          </a:stretch>
         </p:blipFill>
         <p:spPr>
           <a:xfrm>
-            <a:off x="5120946" y="1179828"/>
-            <a:ext cx="6210953" cy="4658215"/>
+            <a:off x="4900927" y="1330736"/>
+            <a:ext cx="6650991" cy="4356399"/>
           </a:xfrm>
           <a:prstGeom prst="rect">
             <a:avLst/>
@@ -4356,7 +4372,7 @@
     </p:spTree>
     <p:extLst>
       <p:ext uri="{BB962C8B-B14F-4D97-AF65-F5344CB8AC3E}">
-        <p14:creationId xmlns:p14="http://schemas.microsoft.com/office/powerpoint/2010/main" val="4036243367"/>
+        <p14:creationId xmlns:p14="http://schemas.microsoft.com/office/powerpoint/2010/main" val="484759153"/>
       </p:ext>
     </p:extLst>
   </p:cSld>
@@ -4401,7 +4417,7 @@
         </p:nvSpPr>
         <p:spPr>
           <a:xfrm>
-            <a:off x="767408" y="2276872"/>
+            <a:off x="767408" y="2348880"/>
             <a:ext cx="3031851" cy="1722418"/>
           </a:xfrm>
         </p:spPr>
@@ -4424,7 +4440,7 @@
                   </a:extLst>
                 </a:hlinkClick>
               </a:rPr>
-              <a:t>Application WEB </a:t>
+              <a:t>Base de données </a:t>
             </a:r>
             <a:r>
               <a:rPr lang="fr-FR" dirty="0" err="1">
@@ -4439,7 +4455,7 @@
                   </a:extLst>
                 </a:hlinkClick>
               </a:rPr>
-              <a:t>WavMap</a:t>
+              <a:t>wavMap</a:t>
             </a:r>
             <a:endParaRPr lang="fr-FR" dirty="0">
               <a:solidFill>
@@ -4451,10 +4467,10 @@
       </p:sp>
       <p:pic>
         <p:nvPicPr>
-          <p:cNvPr id="3" name="Image 2">
+          <p:cNvPr id="3" name="Image 2" descr="Une image contenant texte, ordinateur&#10;&#10;Description générée automatiquement">
             <a:extLst>
               <a:ext uri="{FF2B5EF4-FFF2-40B4-BE49-F238E27FC236}">
-                <a16:creationId xmlns:a16="http://schemas.microsoft.com/office/drawing/2014/main" id="{8DAD4F8B-24D0-4188-BD94-15403A786933}"/>
+                <a16:creationId xmlns:a16="http://schemas.microsoft.com/office/drawing/2014/main" id="{8C9C20D8-8AF3-48F4-A31C-AFA7F39367E6}"/>
               </a:ext>
             </a:extLst>
           </p:cNvPr>
@@ -4465,13 +4481,13 @@
         </p:nvPicPr>
         <p:blipFill rotWithShape="1">
           <a:blip r:embed="rId3"/>
-          <a:srcRect l="1781" r="3270"/>
+          <a:srcRect b="15441"/>
           <a:stretch/>
         </p:blipFill>
         <p:spPr>
           <a:xfrm>
-            <a:off x="4900927" y="1179828"/>
-            <a:ext cx="6650991" cy="4658215"/>
+            <a:off x="5120946" y="1179828"/>
+            <a:ext cx="6210953" cy="4658215"/>
           </a:xfrm>
           <a:prstGeom prst="rect">
             <a:avLst/>
@@ -4530,7 +4546,7 @@
     </p:spTree>
     <p:extLst>
       <p:ext uri="{BB962C8B-B14F-4D97-AF65-F5344CB8AC3E}">
-        <p14:creationId xmlns:p14="http://schemas.microsoft.com/office/powerpoint/2010/main" val="3468991193"/>
+        <p14:creationId xmlns:p14="http://schemas.microsoft.com/office/powerpoint/2010/main" val="4036243367"/>
       </p:ext>
     </p:extLst>
   </p:cSld>
@@ -4575,7 +4591,7 @@
         </p:nvSpPr>
         <p:spPr>
           <a:xfrm>
-            <a:off x="767408" y="2204864"/>
+            <a:off x="767408" y="2276872"/>
             <a:ext cx="3031851" cy="1722418"/>
           </a:xfrm>
         </p:spPr>
@@ -4590,7 +4606,7 @@
                 <a:solidFill>
                   <a:schemeClr val="bg1"/>
                 </a:solidFill>
-                <a:hlinkClick r:id="rId2" action="ppaction://hlinkfile">
+                <a:hlinkClick r:id="rId2">
                   <a:extLst>
                     <a:ext uri="{A12FA001-AC4F-418D-AE19-62706E023703}">
                       <ahyp:hlinkClr xmlns:ahyp="http://schemas.microsoft.com/office/drawing/2018/hyperlinkcolor" val="tx"/>
@@ -4598,14 +4614,14 @@
                   </a:extLst>
                 </a:hlinkClick>
               </a:rPr>
-              <a:t>Application </a:t>
+              <a:t>Application WEB </a:t>
             </a:r>
             <a:r>
               <a:rPr lang="fr-FR" dirty="0" err="1">
                 <a:solidFill>
                   <a:schemeClr val="bg1"/>
                 </a:solidFill>
-                <a:hlinkClick r:id="rId2" action="ppaction://hlinkfile">
+                <a:hlinkClick r:id="rId2">
                   <a:extLst>
                     <a:ext uri="{A12FA001-AC4F-418D-AE19-62706E023703}">
                       <ahyp:hlinkClr xmlns:ahyp="http://schemas.microsoft.com/office/drawing/2018/hyperlinkcolor" val="tx"/>
@@ -4613,22 +4629,7 @@
                   </a:extLst>
                 </a:hlinkClick>
               </a:rPr>
-              <a:t>WavCom</a:t>
-            </a:r>
-            <a:r>
-              <a:rPr lang="fr-FR" dirty="0">
-                <a:solidFill>
-                  <a:schemeClr val="bg1"/>
-                </a:solidFill>
-                <a:hlinkClick r:id="rId2" action="ppaction://hlinkfile">
-                  <a:extLst>
-                    <a:ext uri="{A12FA001-AC4F-418D-AE19-62706E023703}">
-                      <ahyp:hlinkClr xmlns:ahyp="http://schemas.microsoft.com/office/drawing/2018/hyperlinkcolor" val="tx"/>
-                    </a:ext>
-                  </a:extLst>
-                </a:hlinkClick>
-              </a:rPr>
-              <a:t> Visual Studio</a:t>
+              <a:t>WavMap</a:t>
             </a:r>
             <a:endParaRPr lang="fr-FR" dirty="0">
               <a:solidFill>
@@ -4640,10 +4641,10 @@
       </p:sp>
       <p:pic>
         <p:nvPicPr>
-          <p:cNvPr id="5" name="Image 4">
+          <p:cNvPr id="3" name="Image 2">
             <a:extLst>
               <a:ext uri="{FF2B5EF4-FFF2-40B4-BE49-F238E27FC236}">
-                <a16:creationId xmlns:a16="http://schemas.microsoft.com/office/drawing/2014/main" id="{F1CCB38F-7D0E-4F76-99E6-4A5532E634FD}"/>
+                <a16:creationId xmlns:a16="http://schemas.microsoft.com/office/drawing/2014/main" id="{8DAD4F8B-24D0-4188-BD94-15403A786933}"/>
               </a:ext>
             </a:extLst>
           </p:cNvPr>
@@ -4652,16 +4653,15 @@
           </p:cNvPicPr>
           <p:nvPr/>
         </p:nvPicPr>
-        <p:blipFill>
+        <p:blipFill rotWithShape="1">
           <a:blip r:embed="rId3"/>
-          <a:stretch>
-            <a:fillRect/>
-          </a:stretch>
+          <a:srcRect l="1781" r="3270"/>
+          <a:stretch/>
         </p:blipFill>
         <p:spPr>
           <a:xfrm>
-            <a:off x="4900927" y="1330736"/>
-            <a:ext cx="6650991" cy="4356399"/>
+            <a:off x="4900927" y="1179828"/>
+            <a:ext cx="6650991" cy="4658215"/>
           </a:xfrm>
           <a:prstGeom prst="rect">
             <a:avLst/>
@@ -4720,7 +4720,7 @@
     </p:spTree>
     <p:extLst>
       <p:ext uri="{BB962C8B-B14F-4D97-AF65-F5344CB8AC3E}">
-        <p14:creationId xmlns:p14="http://schemas.microsoft.com/office/powerpoint/2010/main" val="484759153"/>
+        <p14:creationId xmlns:p14="http://schemas.microsoft.com/office/powerpoint/2010/main" val="3468991193"/>
       </p:ext>
     </p:extLst>
   </p:cSld>
